--- a/Pres/Patterns/AbstractFactory.pptx
+++ b/Pres/Patterns/AbstractFactory.pptx
@@ -7,7 +7,7 @@
   <p:sldIdLst>
     <p:sldId id="271" r:id="rId2"/>
     <p:sldId id="458" r:id="rId3"/>
-    <p:sldId id="459" r:id="rId4"/>
+    <p:sldId id="466" r:id="rId4"/>
     <p:sldId id="402" r:id="rId5"/>
     <p:sldId id="436" r:id="rId6"/>
     <p:sldId id="437" r:id="rId7"/>
@@ -16002,7 +16002,7 @@
         </p:nvSpPr>
         <p:spPr>
           <a:xfrm>
-            <a:off x="5976910" y="4282195"/>
+            <a:off x="5976910" y="5013715"/>
             <a:ext cx="3347074" cy="918098"/>
           </a:xfrm>
           <a:prstGeom prst="roundRect">
@@ -16048,7 +16048,7 @@
         </p:nvSpPr>
         <p:spPr>
           <a:xfrm>
-            <a:off x="5976910" y="1336979"/>
+            <a:off x="5976910" y="605459"/>
             <a:ext cx="3347074" cy="918098"/>
           </a:xfrm>
           <a:prstGeom prst="roundRect">
@@ -16092,10 +16092,133 @@
           </a:p>
         </p:txBody>
       </p:sp>
+      <p:cxnSp>
+        <p:nvCxnSpPr>
+          <p:cNvPr id="6" name="Vinklet forbindelse 2"/>
+          <p:cNvCxnSpPr>
+            <a:stCxn id="10" idx="0"/>
+            <a:endCxn id="18" idx="2"/>
+          </p:cNvCxnSpPr>
+          <p:nvPr/>
+        </p:nvCxnSpPr>
+        <p:spPr>
+          <a:xfrm flipV="1">
+            <a:off x="7650447" y="1523557"/>
+            <a:ext cx="0" cy="1286030"/>
+          </a:xfrm>
+          <a:prstGeom prst="straightConnector1">
+            <a:avLst/>
+          </a:prstGeom>
+          <a:ln w="76200">
+            <a:solidFill>
+              <a:schemeClr val="tx1"/>
+            </a:solidFill>
+            <a:headEnd w="lg" len="lg"/>
+            <a:tailEnd type="triangle" w="lg" len="lg"/>
+          </a:ln>
+        </p:spPr>
+        <p:style>
+          <a:lnRef idx="1">
+            <a:schemeClr val="accent1"/>
+          </a:lnRef>
+          <a:fillRef idx="0">
+            <a:schemeClr val="accent1"/>
+          </a:fillRef>
+          <a:effectRef idx="0">
+            <a:schemeClr val="accent1"/>
+          </a:effectRef>
+          <a:fontRef idx="minor">
+            <a:schemeClr val="tx1"/>
+          </a:fontRef>
+        </p:style>
+      </p:cxnSp>
+      <p:cxnSp>
+        <p:nvCxnSpPr>
+          <p:cNvPr id="9" name="Vinklet forbindelse 2"/>
+          <p:cNvCxnSpPr>
+            <a:stCxn id="8" idx="0"/>
+            <a:endCxn id="10" idx="2"/>
+          </p:cNvCxnSpPr>
+          <p:nvPr/>
+        </p:nvCxnSpPr>
+        <p:spPr>
+          <a:xfrm flipV="1">
+            <a:off x="7650447" y="3727685"/>
+            <a:ext cx="0" cy="1286030"/>
+          </a:xfrm>
+          <a:prstGeom prst="straightConnector1">
+            <a:avLst/>
+          </a:prstGeom>
+          <a:ln w="76200">
+            <a:solidFill>
+              <a:schemeClr val="tx1"/>
+            </a:solidFill>
+            <a:headEnd w="lg" len="lg"/>
+            <a:tailEnd type="triangle" w="lg" len="lg"/>
+          </a:ln>
+        </p:spPr>
+        <p:style>
+          <a:lnRef idx="1">
+            <a:schemeClr val="accent1"/>
+          </a:lnRef>
+          <a:fillRef idx="0">
+            <a:schemeClr val="accent1"/>
+          </a:fillRef>
+          <a:effectRef idx="0">
+            <a:schemeClr val="accent1"/>
+          </a:effectRef>
+          <a:fontRef idx="minor">
+            <a:schemeClr val="tx1"/>
+          </a:fontRef>
+        </p:style>
+      </p:cxnSp>
+      <p:cxnSp>
+        <p:nvCxnSpPr>
+          <p:cNvPr id="13" name="Vinklet forbindelse 2"/>
+          <p:cNvCxnSpPr>
+            <a:stCxn id="4" idx="3"/>
+            <a:endCxn id="18" idx="1"/>
+          </p:cNvCxnSpPr>
+          <p:nvPr/>
+        </p:nvCxnSpPr>
+        <p:spPr>
+          <a:xfrm flipV="1">
+            <a:off x="3466857" y="1064508"/>
+            <a:ext cx="2510053" cy="2204128"/>
+          </a:xfrm>
+          <a:prstGeom prst="straightConnector1">
+            <a:avLst/>
+          </a:prstGeom>
+          <a:ln w="76200">
+            <a:solidFill>
+              <a:schemeClr val="bg1">
+                <a:lumMod val="50000"/>
+              </a:schemeClr>
+            </a:solidFill>
+            <a:prstDash val="sysDot"/>
+            <a:headEnd w="lg" len="lg"/>
+            <a:tailEnd type="arrow" w="lg" len="lg"/>
+          </a:ln>
+        </p:spPr>
+        <p:style>
+          <a:lnRef idx="1">
+            <a:schemeClr val="accent1"/>
+          </a:lnRef>
+          <a:fillRef idx="0">
+            <a:schemeClr val="accent1"/>
+          </a:fillRef>
+          <a:effectRef idx="0">
+            <a:schemeClr val="accent1"/>
+          </a:effectRef>
+          <a:fontRef idx="minor">
+            <a:schemeClr val="tx1"/>
+          </a:fontRef>
+        </p:style>
+      </p:cxnSp>
     </p:spTree>
     <p:extLst>
       <p:ext uri="{BB962C8B-B14F-4D97-AF65-F5344CB8AC3E}">
-        <p14:creationId xmlns:p14="http://schemas.microsoft.com/office/powerpoint/2010/main" val="3265135895"/>
+        <p14:creationId xmlns:p14="http://schemas.microsoft.com/office/powerpoint/2010/main" val="913141116"/>
       </p:ext>
     </p:extLst>
   </p:cSld>
@@ -16113,250 +16236,9 @@
   <p:timing>
     <p:tnLst>
       <p:par>
-        <p:cTn id="1" dur="indefinite" restart="never" nodeType="tmRoot">
-          <p:childTnLst>
-            <p:seq concurrent="1" nextAc="seek">
-              <p:cTn id="2" dur="indefinite" nodeType="mainSeq">
-                <p:childTnLst>
-                  <p:par>
-                    <p:cTn id="3" fill="hold">
-                      <p:stCondLst>
-                        <p:cond delay="indefinite"/>
-                      </p:stCondLst>
-                      <p:childTnLst>
-                        <p:par>
-                          <p:cTn id="4" fill="hold">
-                            <p:stCondLst>
-                              <p:cond delay="0"/>
-                            </p:stCondLst>
-                            <p:childTnLst>
-                              <p:par>
-                                <p:cTn id="5" presetID="10" presetClass="entr" presetSubtype="0" fill="hold" grpId="0" nodeType="clickEffect">
-                                  <p:stCondLst>
-                                    <p:cond delay="0"/>
-                                  </p:stCondLst>
-                                  <p:childTnLst>
-                                    <p:set>
-                                      <p:cBhvr>
-                                        <p:cTn id="6" dur="1" fill="hold">
-                                          <p:stCondLst>
-                                            <p:cond delay="0"/>
-                                          </p:stCondLst>
-                                        </p:cTn>
-                                        <p:tgtEl>
-                                          <p:spTgt spid="8"/>
-                                        </p:tgtEl>
-                                        <p:attrNameLst>
-                                          <p:attrName>style.visibility</p:attrName>
-                                        </p:attrNameLst>
-                                      </p:cBhvr>
-                                      <p:to>
-                                        <p:strVal val="visible"/>
-                                      </p:to>
-                                    </p:set>
-                                    <p:animEffect transition="in" filter="fade">
-                                      <p:cBhvr>
-                                        <p:cTn id="7" dur="500"/>
-                                        <p:tgtEl>
-                                          <p:spTgt spid="8"/>
-                                        </p:tgtEl>
-                                      </p:cBhvr>
-                                    </p:animEffect>
-                                  </p:childTnLst>
-                                </p:cTn>
-                              </p:par>
-                            </p:childTnLst>
-                          </p:cTn>
-                        </p:par>
-                      </p:childTnLst>
-                    </p:cTn>
-                  </p:par>
-                  <p:par>
-                    <p:cTn id="8" fill="hold">
-                      <p:stCondLst>
-                        <p:cond delay="indefinite"/>
-                      </p:stCondLst>
-                      <p:childTnLst>
-                        <p:par>
-                          <p:cTn id="9" fill="hold">
-                            <p:stCondLst>
-                              <p:cond delay="0"/>
-                            </p:stCondLst>
-                            <p:childTnLst>
-                              <p:par>
-                                <p:cTn id="10" presetID="10" presetClass="entr" presetSubtype="0" fill="hold" grpId="0" nodeType="clickEffect">
-                                  <p:stCondLst>
-                                    <p:cond delay="0"/>
-                                  </p:stCondLst>
-                                  <p:childTnLst>
-                                    <p:set>
-                                      <p:cBhvr>
-                                        <p:cTn id="11" dur="1" fill="hold">
-                                          <p:stCondLst>
-                                            <p:cond delay="0"/>
-                                          </p:stCondLst>
-                                        </p:cTn>
-                                        <p:tgtEl>
-                                          <p:spTgt spid="10"/>
-                                        </p:tgtEl>
-                                        <p:attrNameLst>
-                                          <p:attrName>style.visibility</p:attrName>
-                                        </p:attrNameLst>
-                                      </p:cBhvr>
-                                      <p:to>
-                                        <p:strVal val="visible"/>
-                                      </p:to>
-                                    </p:set>
-                                    <p:animEffect transition="in" filter="fade">
-                                      <p:cBhvr>
-                                        <p:cTn id="12" dur="500"/>
-                                        <p:tgtEl>
-                                          <p:spTgt spid="10"/>
-                                        </p:tgtEl>
-                                      </p:cBhvr>
-                                    </p:animEffect>
-                                  </p:childTnLst>
-                                </p:cTn>
-                              </p:par>
-                            </p:childTnLst>
-                          </p:cTn>
-                        </p:par>
-                      </p:childTnLst>
-                    </p:cTn>
-                  </p:par>
-                  <p:par>
-                    <p:cTn id="13" fill="hold">
-                      <p:stCondLst>
-                        <p:cond delay="indefinite"/>
-                      </p:stCondLst>
-                      <p:childTnLst>
-                        <p:par>
-                          <p:cTn id="14" fill="hold">
-                            <p:stCondLst>
-                              <p:cond delay="0"/>
-                            </p:stCondLst>
-                            <p:childTnLst>
-                              <p:par>
-                                <p:cTn id="15" presetID="10" presetClass="entr" presetSubtype="0" fill="hold" grpId="0" nodeType="clickEffect">
-                                  <p:stCondLst>
-                                    <p:cond delay="0"/>
-                                  </p:stCondLst>
-                                  <p:childTnLst>
-                                    <p:set>
-                                      <p:cBhvr>
-                                        <p:cTn id="16" dur="1" fill="hold">
-                                          <p:stCondLst>
-                                            <p:cond delay="0"/>
-                                          </p:stCondLst>
-                                        </p:cTn>
-                                        <p:tgtEl>
-                                          <p:spTgt spid="18"/>
-                                        </p:tgtEl>
-                                        <p:attrNameLst>
-                                          <p:attrName>style.visibility</p:attrName>
-                                        </p:attrNameLst>
-                                      </p:cBhvr>
-                                      <p:to>
-                                        <p:strVal val="visible"/>
-                                      </p:to>
-                                    </p:set>
-                                    <p:animEffect transition="in" filter="fade">
-                                      <p:cBhvr>
-                                        <p:cTn id="17" dur="500"/>
-                                        <p:tgtEl>
-                                          <p:spTgt spid="18"/>
-                                        </p:tgtEl>
-                                      </p:cBhvr>
-                                    </p:animEffect>
-                                  </p:childTnLst>
-                                </p:cTn>
-                              </p:par>
-                            </p:childTnLst>
-                          </p:cTn>
-                        </p:par>
-                      </p:childTnLst>
-                    </p:cTn>
-                  </p:par>
-                  <p:par>
-                    <p:cTn id="18" fill="hold">
-                      <p:stCondLst>
-                        <p:cond delay="indefinite"/>
-                      </p:stCondLst>
-                      <p:childTnLst>
-                        <p:par>
-                          <p:cTn id="19" fill="hold">
-                            <p:stCondLst>
-                              <p:cond delay="0"/>
-                            </p:stCondLst>
-                            <p:childTnLst>
-                              <p:par>
-                                <p:cTn id="20" presetID="10" presetClass="entr" presetSubtype="0" fill="hold" grpId="0" nodeType="clickEffect">
-                                  <p:stCondLst>
-                                    <p:cond delay="0"/>
-                                  </p:stCondLst>
-                                  <p:childTnLst>
-                                    <p:set>
-                                      <p:cBhvr>
-                                        <p:cTn id="21" dur="1" fill="hold">
-                                          <p:stCondLst>
-                                            <p:cond delay="0"/>
-                                          </p:stCondLst>
-                                        </p:cTn>
-                                        <p:tgtEl>
-                                          <p:spTgt spid="4"/>
-                                        </p:tgtEl>
-                                        <p:attrNameLst>
-                                          <p:attrName>style.visibility</p:attrName>
-                                        </p:attrNameLst>
-                                      </p:cBhvr>
-                                      <p:to>
-                                        <p:strVal val="visible"/>
-                                      </p:to>
-                                    </p:set>
-                                    <p:animEffect transition="in" filter="fade">
-                                      <p:cBhvr>
-                                        <p:cTn id="22" dur="500"/>
-                                        <p:tgtEl>
-                                          <p:spTgt spid="4"/>
-                                        </p:tgtEl>
-                                      </p:cBhvr>
-                                    </p:animEffect>
-                                  </p:childTnLst>
-                                </p:cTn>
-                              </p:par>
-                            </p:childTnLst>
-                          </p:cTn>
-                        </p:par>
-                      </p:childTnLst>
-                    </p:cTn>
-                  </p:par>
-                </p:childTnLst>
-              </p:cTn>
-              <p:prevCondLst>
-                <p:cond evt="onPrev" delay="0">
-                  <p:tgtEl>
-                    <p:sldTgt/>
-                  </p:tgtEl>
-                </p:cond>
-              </p:prevCondLst>
-              <p:nextCondLst>
-                <p:cond evt="onNext" delay="0">
-                  <p:tgtEl>
-                    <p:sldTgt/>
-                  </p:tgtEl>
-                </p:cond>
-              </p:nextCondLst>
-            </p:seq>
-          </p:childTnLst>
-        </p:cTn>
+        <p:cTn id="1" dur="indefinite" restart="never" nodeType="tmRoot"/>
       </p:par>
     </p:tnLst>
-    <p:bldLst>
-      <p:bldP spid="10" grpId="0" animBg="1"/>
-      <p:bldP spid="4" grpId="0" animBg="1"/>
-      <p:bldP spid="8" grpId="0" animBg="1"/>
-      <p:bldP spid="18" grpId="0" animBg="1"/>
-    </p:bldLst>
   </p:timing>
 </p:sld>
 </file>
@@ -16965,8 +16847,8 @@
           </a:prstGeom>
           <a:ln w="76200">
             <a:solidFill>
-              <a:schemeClr val="bg1">
-                <a:lumMod val="50000"/>
+              <a:schemeClr val="accent2">
+                <a:lumMod val="75000"/>
               </a:schemeClr>
             </a:solidFill>
             <a:prstDash val="sysDot"/>
@@ -17007,8 +16889,8 @@
           </a:prstGeom>
           <a:ln w="76200">
             <a:solidFill>
-              <a:schemeClr val="bg1">
-                <a:lumMod val="50000"/>
+              <a:schemeClr val="accent2">
+                <a:lumMod val="75000"/>
               </a:schemeClr>
             </a:solidFill>
             <a:prstDash val="sysDot"/>
